--- a/training-cards/agile moves/Teamplay (TEA)/ger/apprentice/ger_TEA_01_Team_Update_AM_A.pptx
+++ b/training-cards/agile moves/Teamplay (TEA)/ger/apprentice/ger_TEA_01_Team_Update_AM_A.pptx
@@ -1100,7 +1100,7 @@
                 <a:latin typeface="Avenir Light"/>
                 <a:cs typeface="Avenir Light"/>
               </a:rPr>
-              <a:t>01.03.16</a:t>
+              <a:t>28.06.16</a:t>
             </a:fld>
             <a:endParaRPr lang="de-DE" sz="600" dirty="0">
               <a:solidFill>
@@ -1745,7 +1745,7 @@
                 <a:latin typeface="Avenir Light"/>
                 <a:cs typeface="Avenir Light"/>
               </a:rPr>
-              <a:t>01.03.16</a:t>
+              <a:t>28.06.16</a:t>
             </a:fld>
             <a:endParaRPr lang="de-DE" sz="600" dirty="0">
               <a:solidFill>
@@ -2474,7 +2474,7 @@
                 <a:latin typeface="Avenir Light"/>
                 <a:cs typeface="Avenir Light"/>
               </a:rPr>
-              <a:t>01.03.16</a:t>
+              <a:t>28.06.16</a:t>
             </a:fld>
             <a:endParaRPr lang="de-DE" sz="600" dirty="0">
               <a:solidFill>
@@ -3703,7 +3703,14 @@
           <a:p>
             <a:r>
               <a:rPr lang="de-DE" dirty="0" smtClean="0"/>
-              <a:t>Team Update</a:t>
+              <a:t>Aktualisierungs</a:t>
+            </a:r>
+            <a:r>
+              <a:rPr lang="de-DE" dirty="0" smtClean="0">
+                <a:latin typeface="Avenir Light"/>
+                <a:cs typeface="Avenir Light"/>
+              </a:rPr>
+              <a:t>treffen</a:t>
             </a:r>
             <a:endParaRPr lang="de-DE" dirty="0">
               <a:latin typeface="Avenir Light"/>
@@ -3757,7 +3764,7 @@
         </p:spPr>
         <p:txBody>
           <a:bodyPr>
-            <a:normAutofit fontScale="92500" lnSpcReduction="20000"/>
+            <a:normAutofit fontScale="85000" lnSpcReduction="10000"/>
           </a:bodyPr>
           <a:lstStyle/>
           <a:p>
@@ -3783,15 +3790,15 @@
           <a:p>
             <a:r>
               <a:rPr lang="de-DE" sz="1200" dirty="0"/>
-              <a:t>Damit Eure Diskussion aktuell bleibt, sollten alle Argumente, die im Nachhinein auftauchen, mit einer Brain Snake </a:t>
+              <a:t>Damit Eure Diskussion aktuell bleibt, sollten alle Argumente, die im Nachhinein auftauchen, mit </a:t>
             </a:r>
             <a:r>
               <a:rPr lang="de-DE" sz="1200" dirty="0" smtClean="0"/>
-              <a:t>(IDE 04) oder </a:t>
+              <a:t>einer </a:t>
             </a:r>
             <a:r>
               <a:rPr lang="de-DE" sz="1200" dirty="0"/>
-              <a:t>einer Drain Snake </a:t>
+              <a:t>Drain Snake </a:t>
             </a:r>
             <a:r>
               <a:rPr lang="de-DE" sz="1200" dirty="0" smtClean="0"/>
@@ -3805,7 +3812,34 @@
           <a:p>
             <a:r>
               <a:rPr lang="de-DE" sz="1200" dirty="0"/>
-              <a:t>Das Team kommt dann zu einem kurzen Team-Update zusammen und bespricht alle Änderungen, die sich in der Zwischenzeit ergeben haben und arbeitet die Ergebnisse ein, so dass das Artefakt den aktuellen Stand des Teams wiedergibt. </a:t>
+              <a:t>Das Team kommt dann zu einem kurzen </a:t>
+            </a:r>
+            <a:r>
+              <a:rPr lang="de-DE" sz="1200" dirty="0" smtClean="0"/>
+              <a:t>Aktualisierungstreffen zusammen </a:t>
+            </a:r>
+            <a:r>
+              <a:rPr lang="de-DE" sz="1200" dirty="0"/>
+              <a:t>und bespricht alle Änderungen, die sich in der Zwischenzeit ergeben haben und arbeitet die Ergebnisse ein, so dass das Artefakt den aktuellen Stand des Teams wiedergibt. </a:t>
+            </a:r>
+            <a:endParaRPr lang="de-DE" sz="1200" dirty="0" smtClean="0"/>
+          </a:p>
+          <a:p>
+            <a:r>
+              <a:rPr lang="de-DE" sz="1200" dirty="0" smtClean="0"/>
+              <a:t>Das kann beispielsweise auch im Rahmen </a:t>
+            </a:r>
+            <a:r>
+              <a:rPr lang="de-DE" sz="1200" dirty="0" smtClean="0"/>
+              <a:t>eines Stand </a:t>
+            </a:r>
+            <a:r>
+              <a:rPr lang="de-DE" sz="1200" dirty="0" err="1" smtClean="0"/>
+              <a:t>up</a:t>
+            </a:r>
+            <a:r>
+              <a:rPr lang="de-DE" sz="1200" dirty="0" smtClean="0"/>
+              <a:t> Meetings oder im Anschluss an ein Daily geschehen</a:t>
             </a:r>
           </a:p>
           <a:p>
@@ -3813,26 +3847,26 @@
               <a:rPr lang="de-DE" sz="1200" dirty="0"/>
               <a:t>Das aktualisierte Artefakt ist dann der Ausgangspunkt für die weitere Arbeit bzw. den nächsten Workshop. </a:t>
             </a:r>
-          </a:p>
-          <a:p>
+            <a:endParaRPr lang="de-DE" sz="1200" dirty="0" smtClean="0"/>
+          </a:p>
+          <a:p>
+            <a:r>
+              <a:rPr lang="de-DE" sz="1200" dirty="0" smtClean="0"/>
+              <a:t>Ihr </a:t>
+            </a:r>
             <a:r>
               <a:rPr lang="de-DE" sz="1200" dirty="0"/>
-              <a:t>Das kann beispielsweise auch im Rahmen eines </a:t>
-            </a:r>
-            <a:r>
-              <a:rPr lang="de-DE" sz="1200" dirty="0" err="1"/>
-              <a:t>Standups</a:t>
+              <a:t>könnt Euch dazu beispielsweise vor Eurem Teamboard treffen, an dem Euer Artefakt hängt, um dort zu diskutieren. </a:t>
+            </a:r>
+            <a:r>
+              <a:rPr lang="de-DE" sz="1200" dirty="0" smtClean="0"/>
+              <a:t>Verteilt </a:t>
             </a:r>
             <a:r>
               <a:rPr lang="de-DE" sz="1200" dirty="0"/>
-              <a:t> oder im Anschluss geschehen. </a:t>
-            </a:r>
-          </a:p>
-          <a:p>
-            <a:r>
-              <a:rPr lang="de-DE" sz="1200" dirty="0"/>
-              <a:t>Ihr könnt Euch dazu beispielsweise vor Eurem Teamboard treffen, an dem Euer Artefakt hängt, um dort zu diskutieren. </a:t>
-            </a:r>
+              <a:t>arbeitende Teams (Remote Teams) machen dieses Meeting online, idealerweise in einer Videokonferenz.</a:t>
+            </a:r>
+            <a:endParaRPr lang="de-DE" sz="1200" dirty="0"/>
           </a:p>
           <a:p>
             <a:endParaRPr lang="de-DE" dirty="0"/>
@@ -3892,74 +3926,59 @@
           <a:p>
             <a:r>
               <a:rPr lang="de-DE" sz="1100" dirty="0"/>
-              <a:t>Für eine Teamzertifizierung ist es notwendig, dass ihr Euch als Team </a:t>
+              <a:t>Geht zusammen die </a:t>
             </a:r>
             <a:r>
               <a:rPr lang="de-DE" sz="1100" dirty="0" smtClean="0"/>
-              <a:t>zwei </a:t>
-            </a:r>
-            <a:r>
-              <a:rPr lang="de-DE" sz="1100" dirty="0"/>
-              <a:t>Mal in der Woche trefft, um die Argumente zu besprechen. </a:t>
-            </a:r>
-          </a:p>
-          <a:p>
-            <a:r>
-              <a:rPr lang="de-DE" sz="1100" dirty="0"/>
-              <a:t>Wenn sich seither </a:t>
-            </a:r>
-            <a:r>
-              <a:rPr lang="de-DE" sz="1100" dirty="0" smtClean="0"/>
-              <a:t>z.B. durch </a:t>
-            </a:r>
-            <a:r>
-              <a:rPr lang="de-DE" sz="1100" dirty="0"/>
-              <a:t>die Brain </a:t>
+              <a:t>Drain </a:t>
             </a:r>
             <a:r>
               <a:rPr lang="de-DE" sz="1100" dirty="0" err="1" smtClean="0"/>
               <a:t>Snake</a:t>
             </a:r>
             <a:r>
+              <a:rPr lang="de-DE" sz="1100" dirty="0"/>
+              <a:t> </a:t>
+            </a:r>
+            <a:r>
               <a:rPr lang="de-DE" sz="1100" dirty="0" smtClean="0"/>
-              <a:t> (IDE 04) oder die Drain </a:t>
-            </a:r>
-            <a:r>
-              <a:rPr lang="de-DE" sz="1100" dirty="0" err="1" smtClean="0"/>
-              <a:t>Snake</a:t>
+              <a:t>Zettel </a:t>
+            </a:r>
+            <a:r>
+              <a:rPr lang="de-DE" sz="1100" dirty="0"/>
+              <a:t>für Zettel durch und entscheidet gemeinsam für jeden Zettel, ob und wie der Aspekt in das Artefakt des Workshops eingearbeitet wird</a:t>
             </a:r>
             <a:r>
               <a:rPr lang="de-DE" sz="1100" dirty="0" smtClean="0"/>
-              <a:t> </a:t>
-            </a:r>
+              <a:t>.</a:t>
+            </a:r>
+            <a:endParaRPr lang="de-DE" sz="1100" dirty="0"/>
+          </a:p>
+          <a:p>
+            <a:r>
+              <a:rPr lang="de-DE" sz="1100" dirty="0" smtClean="0"/>
+              <a:t>Wichtig </a:t>
+            </a:r>
+            <a:r>
+              <a:rPr lang="de-DE" sz="1100" dirty="0"/>
+              <a:t>ist hierbei, durch die Diskussion im Team einen Abgleich und Konsens zu erzielen</a:t>
+            </a:r>
+            <a:r>
+              <a:rPr lang="de-DE" sz="1100"/>
+              <a:t>. </a:t>
+            </a:r>
+            <a:endParaRPr lang="de-DE" sz="1100" smtClean="0"/>
+          </a:p>
+          <a:p>
             <a:r>
               <a:rPr lang="de-DE" sz="1100" smtClean="0"/>
-              <a:t>(IDE 10) neue </a:t>
+              <a:t>Die </a:t>
             </a:r>
             <a:r>
               <a:rPr lang="de-DE" sz="1100" dirty="0"/>
-              <a:t>Aspekte für </a:t>
-            </a:r>
-            <a:r>
-              <a:rPr lang="de-DE" sz="1100"/>
-              <a:t>das </a:t>
-            </a:r>
-            <a:r>
-              <a:rPr lang="de-DE" sz="1100" smtClean="0"/>
-              <a:t>Workshop</a:t>
-            </a:r>
-            <a:r>
-              <a:rPr lang="de-DE" sz="1100" dirty="0"/>
-              <a:t>- oder </a:t>
-            </a:r>
-            <a:r>
-              <a:rPr lang="de-DE" sz="1100" dirty="0" err="1"/>
-              <a:t>Meetingergebnis</a:t>
-            </a:r>
-            <a:r>
-              <a:rPr lang="de-DE" sz="1100" dirty="0"/>
-              <a:t> ergeben haben, arbeitet sie ein. </a:t>
-            </a:r>
+              <a:t>Diskussion ist das Entscheidende an einem Aktualisierungstreffen, um als Team eine gemeinsame Ausrichtung zu finden. Das aktualisierte Artefakt ist eher das Nebenprodukt dieser gemeinsamen Ausrichtung.</a:t>
+            </a:r>
+            <a:endParaRPr lang="de-DE" sz="1100" dirty="0"/>
           </a:p>
         </p:txBody>
       </p:sp>
